--- a/DEPTH ESTIMATION FROM STEREO IMEGES USING CENSUS TRANSFORM.pptx
+++ b/DEPTH ESTIMATION FROM STEREO IMEGES USING CENSUS TRANSFORM.pptx
@@ -144,6 +144,35 @@
     </p:ext>
   </p:extLst>
 </p:presentation>
+</file>
+
+<file path=ppt/changesInfos/changesInfo1.xml><?xml version="1.0" encoding="utf-8"?>
+<pc:chgInfo xmlns:a="http://schemas.openxmlformats.org/drawingml/2006/main" xmlns:r="http://schemas.openxmlformats.org/officeDocument/2006/relationships" xmlns:ac="http://schemas.microsoft.com/office/drawing/2013/main/command" xmlns:pc="http://schemas.microsoft.com/office/powerpoint/2013/main/command">
+  <pc:docChgLst>
+    <pc:chgData name="Radu Socaci" userId="850c40c0b96df066" providerId="LiveId" clId="{479DAF58-E7B7-4FB7-BE55-668C54ED5B28}"/>
+    <pc:docChg chg="modSld">
+      <pc:chgData name="Radu Socaci" userId="850c40c0b96df066" providerId="LiveId" clId="{479DAF58-E7B7-4FB7-BE55-668C54ED5B28}" dt="2020-06-03T16:20:21.208" v="1" actId="20577"/>
+      <pc:docMkLst>
+        <pc:docMk/>
+      </pc:docMkLst>
+      <pc:sldChg chg="modSp mod">
+        <pc:chgData name="Radu Socaci" userId="850c40c0b96df066" providerId="LiveId" clId="{479DAF58-E7B7-4FB7-BE55-668C54ED5B28}" dt="2020-06-03T16:20:21.208" v="1" actId="20577"/>
+        <pc:sldMkLst>
+          <pc:docMk/>
+          <pc:sldMk cId="3380664224" sldId="325"/>
+        </pc:sldMkLst>
+        <pc:spChg chg="mod">
+          <ac:chgData name="Radu Socaci" userId="850c40c0b96df066" providerId="LiveId" clId="{479DAF58-E7B7-4FB7-BE55-668C54ED5B28}" dt="2020-06-03T16:20:21.208" v="1" actId="20577"/>
+          <ac:spMkLst>
+            <pc:docMk/>
+            <pc:sldMk cId="3380664224" sldId="325"/>
+            <ac:spMk id="14" creationId="{00000000-0000-0000-0000-000000000000}"/>
+          </ac:spMkLst>
+        </pc:spChg>
+      </pc:sldChg>
+    </pc:docChg>
+  </pc:docChgLst>
+</pc:chgInfo>
 </file>
 
 <file path=ppt/diagrams/colors1.xml><?xml version="1.0" encoding="utf-8"?>
@@ -3669,7 +3698,7 @@
           <a:p>
             <a:fld id="{59088EAF-6ECA-4616-85EF-35AA19C641F3}" type="datetimeFigureOut">
               <a:rPr lang="en-US"/>
-              <a:t>6/2/2020</a:t>
+              <a:t>6/3/2020</a:t>
             </a:fld>
             <a:endParaRPr/>
           </a:p>
@@ -3834,7 +3863,7 @@
           <a:p>
             <a:fld id="{3ABD2D7A-D230-4F91-BD59-0A39C2703BA8}" type="datetimeFigureOut">
               <a:rPr lang="en-US"/>
-              <a:t>6/2/2020</a:t>
+              <a:t>6/3/2020</a:t>
             </a:fld>
             <a:endParaRPr/>
           </a:p>
@@ -4443,7 +4472,7 @@
           <a:p>
             <a:fld id="{03F41C87-7AD9-4845-A077-840E4A0F3F06}" type="datetimeFigureOut">
               <a:rPr lang="en-US"/>
-              <a:t>6/2/2020</a:t>
+              <a:t>6/3/2020</a:t>
             </a:fld>
             <a:endParaRPr/>
           </a:p>
@@ -4635,7 +4664,7 @@
           <a:p>
             <a:fld id="{03F41C87-7AD9-4845-A077-840E4A0F3F06}" type="datetimeFigureOut">
               <a:rPr lang="en-US"/>
-              <a:t>6/2/2020</a:t>
+              <a:t>6/3/2020</a:t>
             </a:fld>
             <a:endParaRPr/>
           </a:p>
@@ -4824,7 +4853,7 @@
           <a:p>
             <a:fld id="{03F41C87-7AD9-4845-A077-840E4A0F3F06}" type="datetimeFigureOut">
               <a:rPr lang="en-US"/>
-              <a:t>6/2/2020</a:t>
+              <a:t>6/3/2020</a:t>
             </a:fld>
             <a:endParaRPr/>
           </a:p>
@@ -5104,7 +5133,7 @@
           <a:p>
             <a:fld id="{03F41C87-7AD9-4845-A077-840E4A0F3F06}" type="datetimeFigureOut">
               <a:rPr lang="en-US"/>
-              <a:t>6/2/2020</a:t>
+              <a:t>6/3/2020</a:t>
             </a:fld>
             <a:endParaRPr/>
           </a:p>
@@ -5408,7 +5437,7 @@
           <a:p>
             <a:fld id="{03F41C87-7AD9-4845-A077-840E4A0F3F06}" type="datetimeFigureOut">
               <a:rPr lang="en-US"/>
-              <a:t>6/2/2020</a:t>
+              <a:t>6/3/2020</a:t>
             </a:fld>
             <a:endParaRPr/>
           </a:p>
@@ -5864,7 +5893,7 @@
           <a:p>
             <a:fld id="{03F41C87-7AD9-4845-A077-840E4A0F3F06}" type="datetimeFigureOut">
               <a:rPr lang="en-US"/>
-              <a:t>6/2/2020</a:t>
+              <a:t>6/3/2020</a:t>
             </a:fld>
             <a:endParaRPr/>
           </a:p>
@@ -5994,7 +6023,7 @@
           <a:p>
             <a:fld id="{03F41C87-7AD9-4845-A077-840E4A0F3F06}" type="datetimeFigureOut">
               <a:rPr lang="en-US"/>
-              <a:t>6/2/2020</a:t>
+              <a:t>6/3/2020</a:t>
             </a:fld>
             <a:endParaRPr/>
           </a:p>
@@ -6109,7 +6138,7 @@
           <a:p>
             <a:fld id="{03F41C87-7AD9-4845-A077-840E4A0F3F06}" type="datetimeFigureOut">
               <a:rPr lang="en-US"/>
-              <a:t>6/2/2020</a:t>
+              <a:t>6/3/2020</a:t>
             </a:fld>
             <a:endParaRPr/>
           </a:p>
@@ -6431,7 +6460,7 @@
           <a:p>
             <a:fld id="{03F41C87-7AD9-4845-A077-840E4A0F3F06}" type="datetimeFigureOut">
               <a:rPr lang="en-US"/>
-              <a:t>6/2/2020</a:t>
+              <a:t>6/3/2020</a:t>
             </a:fld>
             <a:endParaRPr/>
           </a:p>
@@ -6743,7 +6772,7 @@
             <a:fld id="{03F41C87-7AD9-4845-A077-840E4A0F3F06}" type="datetimeFigureOut">
               <a:rPr lang="en-US"/>
               <a:pPr/>
-              <a:t>6/2/2020</a:t>
+              <a:t>6/3/2020</a:t>
             </a:fld>
             <a:endParaRPr/>
           </a:p>
@@ -6997,7 +7026,7 @@
             <a:fld id="{03F41C87-7AD9-4845-A077-840E4A0F3F06}" type="datetimeFigureOut">
               <a:rPr lang="en-US" smtClean="0"/>
               <a:pPr/>
-              <a:t>6/2/2020</a:t>
+              <a:t>6/3/2020</a:t>
             </a:fld>
             <a:endParaRPr lang="en-US"/>
           </a:p>
@@ -7845,7 +7874,7 @@
             </a:pPr>
             <a:r>
               <a:rPr lang="en-US" dirty="0"/>
-              <a:t>The error is between 98-99% using this threshold.</a:t>
+              <a:t>The error is between 17% using this threshold.</a:t>
             </a:r>
           </a:p>
         </p:txBody>
